--- a/Päsentationentwurf_7min_Deck.pptx
+++ b/Päsentationentwurf_7min_Deck.pptx
@@ -1281,7 +1281,7 @@
           <a:p>
             <a:fld id="{5BCAD085-E8A6-8845-BD4E-CB4CCA059FC4}" type="datetimeFigureOut">
               <a:rPr lang="en-US" smtClean="0"/>
-              <a:t>8/12/25</a:t>
+              <a:t>8/19/25</a:t>
             </a:fld>
             <a:endParaRPr lang="en-US"/>
           </a:p>
@@ -1449,7 +1449,7 @@
           <a:p>
             <a:fld id="{5BCAD085-E8A6-8845-BD4E-CB4CCA059FC4}" type="datetimeFigureOut">
               <a:rPr lang="en-US" smtClean="0"/>
-              <a:t>8/12/25</a:t>
+              <a:t>8/19/25</a:t>
             </a:fld>
             <a:endParaRPr lang="en-US"/>
           </a:p>
@@ -1627,7 +1627,7 @@
           <a:p>
             <a:fld id="{5BCAD085-E8A6-8845-BD4E-CB4CCA059FC4}" type="datetimeFigureOut">
               <a:rPr lang="en-US" smtClean="0"/>
-              <a:t>8/12/25</a:t>
+              <a:t>8/19/25</a:t>
             </a:fld>
             <a:endParaRPr lang="en-US"/>
           </a:p>
@@ -1795,7 +1795,7 @@
           <a:p>
             <a:fld id="{5BCAD085-E8A6-8845-BD4E-CB4CCA059FC4}" type="datetimeFigureOut">
               <a:rPr lang="en-US" smtClean="0"/>
-              <a:t>8/12/25</a:t>
+              <a:t>8/19/25</a:t>
             </a:fld>
             <a:endParaRPr lang="en-US"/>
           </a:p>
@@ -2040,7 +2040,7 @@
           <a:p>
             <a:fld id="{5BCAD085-E8A6-8845-BD4E-CB4CCA059FC4}" type="datetimeFigureOut">
               <a:rPr lang="en-US" smtClean="0"/>
-              <a:t>8/12/25</a:t>
+              <a:t>8/19/25</a:t>
             </a:fld>
             <a:endParaRPr lang="en-US"/>
           </a:p>
@@ -2325,7 +2325,7 @@
           <a:p>
             <a:fld id="{5BCAD085-E8A6-8845-BD4E-CB4CCA059FC4}" type="datetimeFigureOut">
               <a:rPr lang="en-US" smtClean="0"/>
-              <a:t>8/12/25</a:t>
+              <a:t>8/19/25</a:t>
             </a:fld>
             <a:endParaRPr lang="en-US"/>
           </a:p>
@@ -2744,7 +2744,7 @@
           <a:p>
             <a:fld id="{5BCAD085-E8A6-8845-BD4E-CB4CCA059FC4}" type="datetimeFigureOut">
               <a:rPr lang="en-US" smtClean="0"/>
-              <a:t>8/12/25</a:t>
+              <a:t>8/19/25</a:t>
             </a:fld>
             <a:endParaRPr lang="en-US"/>
           </a:p>
@@ -2861,7 +2861,7 @@
           <a:p>
             <a:fld id="{5BCAD085-E8A6-8845-BD4E-CB4CCA059FC4}" type="datetimeFigureOut">
               <a:rPr lang="en-US" smtClean="0"/>
-              <a:t>8/12/25</a:t>
+              <a:t>8/19/25</a:t>
             </a:fld>
             <a:endParaRPr lang="en-US"/>
           </a:p>
@@ -2956,7 +2956,7 @@
           <a:p>
             <a:fld id="{5BCAD085-E8A6-8845-BD4E-CB4CCA059FC4}" type="datetimeFigureOut">
               <a:rPr lang="en-US" smtClean="0"/>
-              <a:t>8/12/25</a:t>
+              <a:t>8/19/25</a:t>
             </a:fld>
             <a:endParaRPr lang="en-US"/>
           </a:p>
@@ -3231,7 +3231,7 @@
           <a:p>
             <a:fld id="{5BCAD085-E8A6-8845-BD4E-CB4CCA059FC4}" type="datetimeFigureOut">
               <a:rPr lang="en-US" smtClean="0"/>
-              <a:t>8/12/25</a:t>
+              <a:t>8/19/25</a:t>
             </a:fld>
             <a:endParaRPr lang="en-US"/>
           </a:p>
@@ -3483,7 +3483,7 @@
           <a:p>
             <a:fld id="{5BCAD085-E8A6-8845-BD4E-CB4CCA059FC4}" type="datetimeFigureOut">
               <a:rPr lang="en-US" smtClean="0"/>
-              <a:t>8/12/25</a:t>
+              <a:t>8/19/25</a:t>
             </a:fld>
             <a:endParaRPr lang="en-US"/>
           </a:p>
@@ -3694,7 +3694,7 @@
           <a:p>
             <a:fld id="{5BCAD085-E8A6-8845-BD4E-CB4CCA059FC4}" type="datetimeFigureOut">
               <a:rPr lang="en-US" smtClean="0"/>
-              <a:t>8/12/25</a:t>
+              <a:t>8/19/25</a:t>
             </a:fld>
             <a:endParaRPr lang="en-US"/>
           </a:p>
@@ -4085,8 +4085,34 @@
           <a:lstStyle/>
           <a:p>
             <a:r>
-              <a:t>Früherkennung von AKI nach Kinderherz‑OP mit ehrapy</a:t>
-            </a:r>
+              <a:rPr dirty="0" err="1"/>
+              <a:t>Früherkennung</a:t>
+            </a:r>
+            <a:r>
+              <a:rPr dirty="0"/>
+              <a:t> von AKI nach </a:t>
+            </a:r>
+            <a:r>
+              <a:rPr lang="de-DE" dirty="0"/>
+              <a:t>HLM</a:t>
+            </a:r>
+            <a:r>
+              <a:rPr dirty="0"/>
+              <a:t>‑OP </a:t>
+            </a:r>
+            <a:r>
+              <a:rPr dirty="0" err="1"/>
+              <a:t>mit</a:t>
+            </a:r>
+            <a:r>
+              <a:rPr dirty="0"/>
+              <a:t> </a:t>
+            </a:r>
+            <a:r>
+              <a:rPr dirty="0" err="1"/>
+              <a:t>ehrapy</a:t>
+            </a:r>
+            <a:endParaRPr dirty="0"/>
           </a:p>
         </p:txBody>
       </p:sp>
@@ -4102,16 +4128,45 @@
         </p:nvSpPr>
         <p:spPr/>
         <p:txBody>
-          <a:bodyPr/>
-          <a:lstStyle/>
-          <a:p>
-            <a:r>
-              <a:t>Reproduzierbare Routinedaten‑Pipelines und klinische Implikationen</a:t>
-            </a:r>
-          </a:p>
-          <a:p>
-            <a:r>
-              <a:t>GMDS 2025 – 7 Minuten + 2 Minuten Diskussion</a:t>
+          <a:bodyPr>
+            <a:normAutofit fontScale="92500" lnSpcReduction="20000"/>
+          </a:bodyPr>
+          <a:lstStyle/>
+          <a:p>
+            <a:r>
+              <a:rPr dirty="0" err="1"/>
+              <a:t>Reproduzierbare</a:t>
+            </a:r>
+            <a:r>
+              <a:rPr dirty="0"/>
+              <a:t> </a:t>
+            </a:r>
+            <a:r>
+              <a:rPr dirty="0" err="1"/>
+              <a:t>Routinedaten</a:t>
+            </a:r>
+            <a:r>
+              <a:rPr dirty="0"/>
+              <a:t>‑Pipelines und </a:t>
+            </a:r>
+            <a:r>
+              <a:rPr dirty="0" err="1"/>
+              <a:t>klinische</a:t>
+            </a:r>
+            <a:r>
+              <a:rPr dirty="0"/>
+              <a:t> </a:t>
+            </a:r>
+            <a:r>
+              <a:rPr dirty="0" err="1"/>
+              <a:t>Implikationen</a:t>
+            </a:r>
+            <a:endParaRPr dirty="0"/>
+          </a:p>
+          <a:p>
+            <a:r>
+              <a:rPr dirty="0"/>
+              <a:t>GMDS 2025</a:t>
             </a:r>
           </a:p>
         </p:txBody>
@@ -4746,17 +4801,80 @@
           <a:lstStyle/>
           <a:p>
             <a:r>
-              <a:t>Kohorte: 1.209 HLM‑OP‑Episoden (AnnData/H5AD)</a:t>
-            </a:r>
-          </a:p>
-          <a:p>
-            <a:r>
-              <a:t>Schlüssel: PMID (Patient), SMID (Aufenthalt), Procedure_ID (OP)</a:t>
-            </a:r>
-          </a:p>
-          <a:p>
-            <a:r>
-              <a:t>Endpunkt: AKI 0–7 Tage; OP‑Zeitfenster: Start/Ende</a:t>
+              <a:rPr dirty="0" err="1"/>
+              <a:t>Kohorte</a:t>
+            </a:r>
+            <a:r>
+              <a:rPr dirty="0"/>
+              <a:t>: 1.209 HLM‑OP‑</a:t>
+            </a:r>
+            <a:r>
+              <a:rPr dirty="0" err="1"/>
+              <a:t>Episoden</a:t>
+            </a:r>
+            <a:r>
+              <a:rPr dirty="0"/>
+              <a:t> (</a:t>
+            </a:r>
+            <a:r>
+              <a:rPr dirty="0" err="1"/>
+              <a:t>AnnData</a:t>
+            </a:r>
+            <a:r>
+              <a:rPr dirty="0"/>
+              <a:t>/H5AD)</a:t>
+            </a:r>
+          </a:p>
+          <a:p>
+            <a:r>
+              <a:rPr dirty="0" err="1"/>
+              <a:t>Schlüssel</a:t>
+            </a:r>
+            <a:r>
+              <a:rPr dirty="0"/>
+              <a:t>: PMID (Patient), SMID (</a:t>
+            </a:r>
+            <a:r>
+              <a:rPr dirty="0" err="1"/>
+              <a:t>Aufenthalt</a:t>
+            </a:r>
+            <a:r>
+              <a:rPr dirty="0"/>
+              <a:t>), </a:t>
+            </a:r>
+            <a:r>
+              <a:rPr dirty="0" err="1"/>
+              <a:t>Procedure_ID</a:t>
+            </a:r>
+            <a:r>
+              <a:rPr dirty="0"/>
+              <a:t> (OP)</a:t>
+            </a:r>
+          </a:p>
+          <a:p>
+            <a:r>
+              <a:rPr dirty="0" err="1"/>
+              <a:t>Endpunkt</a:t>
+            </a:r>
+            <a:r>
+              <a:rPr dirty="0"/>
+              <a:t>: AKI 0–7 </a:t>
+            </a:r>
+            <a:r>
+              <a:rPr dirty="0" err="1"/>
+              <a:t>Tage</a:t>
+            </a:r>
+            <a:r>
+              <a:rPr dirty="0"/>
+              <a:t>; OP‑</a:t>
+            </a:r>
+            <a:r>
+              <a:rPr dirty="0" err="1"/>
+              <a:t>Zeitfenster</a:t>
+            </a:r>
+            <a:r>
+              <a:rPr dirty="0"/>
+              <a:t>: Start/Ende</a:t>
             </a:r>
           </a:p>
         </p:txBody>
